--- a/free-apps/src/main/resources/ppt/apps-12.pptx
+++ b/free-apps/src/main/resources/ppt/apps-12.pptx
@@ -262,7 +262,7 @@
           <a:p>
             <a:fld id="{F4FD6E9F-24F3-4130-A761-10060E1782FF}" type="datetimeFigureOut">
               <a:rPr lang="zh-CN" altLang="en-US" smtClean="0"/>
-              <a:t>2023/4/8</a:t>
+              <a:t>2023/4/7</a:t>
             </a:fld>
             <a:endParaRPr lang="zh-CN" altLang="en-US"/>
           </a:p>
@@ -460,7 +460,7 @@
           <a:p>
             <a:fld id="{F4FD6E9F-24F3-4130-A761-10060E1782FF}" type="datetimeFigureOut">
               <a:rPr lang="zh-CN" altLang="en-US" smtClean="0"/>
-              <a:t>2023/4/8</a:t>
+              <a:t>2023/4/7</a:t>
             </a:fld>
             <a:endParaRPr lang="zh-CN" altLang="en-US"/>
           </a:p>
@@ -668,7 +668,7 @@
           <a:p>
             <a:fld id="{F4FD6E9F-24F3-4130-A761-10060E1782FF}" type="datetimeFigureOut">
               <a:rPr lang="zh-CN" altLang="en-US" smtClean="0"/>
-              <a:t>2023/4/8</a:t>
+              <a:t>2023/4/7</a:t>
             </a:fld>
             <a:endParaRPr lang="zh-CN" altLang="en-US"/>
           </a:p>
@@ -866,7 +866,7 @@
           <a:p>
             <a:fld id="{F4FD6E9F-24F3-4130-A761-10060E1782FF}" type="datetimeFigureOut">
               <a:rPr lang="zh-CN" altLang="en-US" smtClean="0"/>
-              <a:t>2023/4/8</a:t>
+              <a:t>2023/4/7</a:t>
             </a:fld>
             <a:endParaRPr lang="zh-CN" altLang="en-US"/>
           </a:p>
@@ -1141,7 +1141,7 @@
           <a:p>
             <a:fld id="{F4FD6E9F-24F3-4130-A761-10060E1782FF}" type="datetimeFigureOut">
               <a:rPr lang="zh-CN" altLang="en-US" smtClean="0"/>
-              <a:t>2023/4/8</a:t>
+              <a:t>2023/4/7</a:t>
             </a:fld>
             <a:endParaRPr lang="zh-CN" altLang="en-US"/>
           </a:p>
@@ -1406,7 +1406,7 @@
           <a:p>
             <a:fld id="{F4FD6E9F-24F3-4130-A761-10060E1782FF}" type="datetimeFigureOut">
               <a:rPr lang="zh-CN" altLang="en-US" smtClean="0"/>
-              <a:t>2023/4/8</a:t>
+              <a:t>2023/4/7</a:t>
             </a:fld>
             <a:endParaRPr lang="zh-CN" altLang="en-US"/>
           </a:p>
@@ -1818,7 +1818,7 @@
           <a:p>
             <a:fld id="{F4FD6E9F-24F3-4130-A761-10060E1782FF}" type="datetimeFigureOut">
               <a:rPr lang="zh-CN" altLang="en-US" smtClean="0"/>
-              <a:t>2023/4/8</a:t>
+              <a:t>2023/4/7</a:t>
             </a:fld>
             <a:endParaRPr lang="zh-CN" altLang="en-US"/>
           </a:p>
@@ -1959,7 +1959,7 @@
           <a:p>
             <a:fld id="{F4FD6E9F-24F3-4130-A761-10060E1782FF}" type="datetimeFigureOut">
               <a:rPr lang="zh-CN" altLang="en-US" smtClean="0"/>
-              <a:t>2023/4/8</a:t>
+              <a:t>2023/4/7</a:t>
             </a:fld>
             <a:endParaRPr lang="zh-CN" altLang="en-US"/>
           </a:p>
@@ -2072,7 +2072,7 @@
           <a:p>
             <a:fld id="{F4FD6E9F-24F3-4130-A761-10060E1782FF}" type="datetimeFigureOut">
               <a:rPr lang="zh-CN" altLang="en-US" smtClean="0"/>
-              <a:t>2023/4/8</a:t>
+              <a:t>2023/4/7</a:t>
             </a:fld>
             <a:endParaRPr lang="zh-CN" altLang="en-US"/>
           </a:p>
@@ -2383,7 +2383,7 @@
           <a:p>
             <a:fld id="{F4FD6E9F-24F3-4130-A761-10060E1782FF}" type="datetimeFigureOut">
               <a:rPr lang="zh-CN" altLang="en-US" smtClean="0"/>
-              <a:t>2023/4/8</a:t>
+              <a:t>2023/4/7</a:t>
             </a:fld>
             <a:endParaRPr lang="zh-CN" altLang="en-US"/>
           </a:p>
@@ -2671,7 +2671,7 @@
           <a:p>
             <a:fld id="{F4FD6E9F-24F3-4130-A761-10060E1782FF}" type="datetimeFigureOut">
               <a:rPr lang="zh-CN" altLang="en-US" smtClean="0"/>
-              <a:t>2023/4/8</a:t>
+              <a:t>2023/4/7</a:t>
             </a:fld>
             <a:endParaRPr lang="zh-CN" altLang="en-US"/>
           </a:p>
@@ -2912,7 +2912,7 @@
           <a:p>
             <a:fld id="{F4FD6E9F-24F3-4130-A761-10060E1782FF}" type="datetimeFigureOut">
               <a:rPr lang="zh-CN" altLang="en-US" smtClean="0"/>
-              <a:t>2023/4/8</a:t>
+              <a:t>2023/4/7</a:t>
             </a:fld>
             <a:endParaRPr lang="zh-CN" altLang="en-US"/>
           </a:p>
@@ -3378,8 +3378,8 @@
         </p:nvSpPr>
         <p:spPr>
           <a:xfrm>
-            <a:off x="1638300" y="1130303"/>
-            <a:ext cx="4714524" cy="1517649"/>
+            <a:off x="2032000" y="1130303"/>
+            <a:ext cx="4320824" cy="1517649"/>
           </a:xfrm>
           <a:prstGeom prst="roundRect">
             <a:avLst>
@@ -3421,12 +3421,12 @@
               <a:t>或为您节省</a:t>
             </a:r>
             <a:r>
-              <a:rPr lang="en-US" altLang="zh-CN" sz="4400" b="1">
+              <a:rPr lang="en-US" altLang="zh-CN" sz="4400" b="1" dirty="0">
                 <a:solidFill>
                   <a:srgbClr val="FF5F57"/>
                 </a:solidFill>
               </a:rPr>
-              <a:t>{bb}</a:t>
+              <a:t>x</a:t>
             </a:r>
             <a:r>
               <a:rPr lang="zh-CN" altLang="en-US" sz="4400" b="1" dirty="0"/>
@@ -3545,11 +3545,11 @@
           <a:p>
             <a:r>
               <a:rPr lang="en-US" altLang="zh-CN" sz="2800" dirty="0"/>
-              <a:t>{aa}</a:t>
+              <a:t>2023/4/6  </a:t>
             </a:r>
             <a:r>
               <a:rPr lang="zh-CN" altLang="en-US" sz="2800" dirty="0"/>
-              <a:t>更新</a:t>
+              <a:t>每日更新</a:t>
             </a:r>
             <a:r>
               <a:rPr lang="en-US" altLang="zh-CN" sz="2800" dirty="0"/>
